--- a/Green Function Method/hologram_green_function.pptx
+++ b/Green Function Method/hologram_green_function.pptx
@@ -5,8 +5,9 @@
     <p:sldMasterId id="2147483648" r:id="rId1"/>
   </p:sldMasterIdLst>
   <p:sldIdLst>
-    <p:sldId id="257" r:id="rId2"/>
-    <p:sldId id="256" r:id="rId3"/>
+    <p:sldId id="258" r:id="rId2"/>
+    <p:sldId id="257" r:id="rId3"/>
+    <p:sldId id="256" r:id="rId4"/>
   </p:sldIdLst>
   <p:sldSz cx="12192000" cy="6858000"/>
   <p:notesSz cx="6858000" cy="9144000"/>
@@ -105,6 +106,11 @@
       </a:defRPr>
     </a:lvl9pPr>
   </p:defaultTextStyle>
+  <p:extLst>
+    <p:ext uri="{EFAFB233-063F-42B5-8137-9DF3F51BA10A}">
+      <p15:sldGuideLst xmlns:p15="http://schemas.microsoft.com/office/powerpoint/2012/main"/>
+    </p:ext>
+  </p:extLst>
 </p:presentation>
 </file>
 
@@ -255,7 +261,7 @@
           <a:p>
             <a:fld id="{BE13C16A-2485-4CF2-B7C2-B22D19E63E7B}" type="datetimeFigureOut">
               <a:rPr lang="en-US" smtClean="0"/>
-              <a:t>4/27/2020</a:t>
+              <a:t>4/28/2020</a:t>
             </a:fld>
             <a:endParaRPr lang="en-US"/>
           </a:p>
@@ -453,7 +459,7 @@
           <a:p>
             <a:fld id="{BE13C16A-2485-4CF2-B7C2-B22D19E63E7B}" type="datetimeFigureOut">
               <a:rPr lang="en-US" smtClean="0"/>
-              <a:t>4/27/2020</a:t>
+              <a:t>4/28/2020</a:t>
             </a:fld>
             <a:endParaRPr lang="en-US"/>
           </a:p>
@@ -661,7 +667,7 @@
           <a:p>
             <a:fld id="{BE13C16A-2485-4CF2-B7C2-B22D19E63E7B}" type="datetimeFigureOut">
               <a:rPr lang="en-US" smtClean="0"/>
-              <a:t>4/27/2020</a:t>
+              <a:t>4/28/2020</a:t>
             </a:fld>
             <a:endParaRPr lang="en-US"/>
           </a:p>
@@ -859,7 +865,7 @@
           <a:p>
             <a:fld id="{BE13C16A-2485-4CF2-B7C2-B22D19E63E7B}" type="datetimeFigureOut">
               <a:rPr lang="en-US" smtClean="0"/>
-              <a:t>4/27/2020</a:t>
+              <a:t>4/28/2020</a:t>
             </a:fld>
             <a:endParaRPr lang="en-US"/>
           </a:p>
@@ -1134,7 +1140,7 @@
           <a:p>
             <a:fld id="{BE13C16A-2485-4CF2-B7C2-B22D19E63E7B}" type="datetimeFigureOut">
               <a:rPr lang="en-US" smtClean="0"/>
-              <a:t>4/27/2020</a:t>
+              <a:t>4/28/2020</a:t>
             </a:fld>
             <a:endParaRPr lang="en-US"/>
           </a:p>
@@ -1399,7 +1405,7 @@
           <a:p>
             <a:fld id="{BE13C16A-2485-4CF2-B7C2-B22D19E63E7B}" type="datetimeFigureOut">
               <a:rPr lang="en-US" smtClean="0"/>
-              <a:t>4/27/2020</a:t>
+              <a:t>4/28/2020</a:t>
             </a:fld>
             <a:endParaRPr lang="en-US"/>
           </a:p>
@@ -1811,7 +1817,7 @@
           <a:p>
             <a:fld id="{BE13C16A-2485-4CF2-B7C2-B22D19E63E7B}" type="datetimeFigureOut">
               <a:rPr lang="en-US" smtClean="0"/>
-              <a:t>4/27/2020</a:t>
+              <a:t>4/28/2020</a:t>
             </a:fld>
             <a:endParaRPr lang="en-US"/>
           </a:p>
@@ -1952,7 +1958,7 @@
           <a:p>
             <a:fld id="{BE13C16A-2485-4CF2-B7C2-B22D19E63E7B}" type="datetimeFigureOut">
               <a:rPr lang="en-US" smtClean="0"/>
-              <a:t>4/27/2020</a:t>
+              <a:t>4/28/2020</a:t>
             </a:fld>
             <a:endParaRPr lang="en-US"/>
           </a:p>
@@ -2065,7 +2071,7 @@
           <a:p>
             <a:fld id="{BE13C16A-2485-4CF2-B7C2-B22D19E63E7B}" type="datetimeFigureOut">
               <a:rPr lang="en-US" smtClean="0"/>
-              <a:t>4/27/2020</a:t>
+              <a:t>4/28/2020</a:t>
             </a:fld>
             <a:endParaRPr lang="en-US"/>
           </a:p>
@@ -2376,7 +2382,7 @@
           <a:p>
             <a:fld id="{BE13C16A-2485-4CF2-B7C2-B22D19E63E7B}" type="datetimeFigureOut">
               <a:rPr lang="en-US" smtClean="0"/>
-              <a:t>4/27/2020</a:t>
+              <a:t>4/28/2020</a:t>
             </a:fld>
             <a:endParaRPr lang="en-US"/>
           </a:p>
@@ -2664,7 +2670,7 @@
           <a:p>
             <a:fld id="{BE13C16A-2485-4CF2-B7C2-B22D19E63E7B}" type="datetimeFigureOut">
               <a:rPr lang="en-US" smtClean="0"/>
-              <a:t>4/27/2020</a:t>
+              <a:t>4/28/2020</a:t>
             </a:fld>
             <a:endParaRPr lang="en-US"/>
           </a:p>
@@ -2905,7 +2911,7 @@
           <a:p>
             <a:fld id="{BE13C16A-2485-4CF2-B7C2-B22D19E63E7B}" type="datetimeFigureOut">
               <a:rPr lang="en-US" smtClean="0"/>
-              <a:t>4/27/2020</a:t>
+              <a:t>4/28/2020</a:t>
             </a:fld>
             <a:endParaRPr lang="en-US"/>
           </a:p>
@@ -3322,12 +3328,1030 @@
           <a:chExt cx="0" cy="0"/>
         </a:xfrm>
       </p:grpSpPr>
+      <p:sp>
+        <p:nvSpPr>
+          <p:cNvPr id="4" name="Rectangle 3">
+            <a:extLst>
+              <a:ext uri="{FF2B5EF4-FFF2-40B4-BE49-F238E27FC236}">
+                <a16:creationId xmlns:a16="http://schemas.microsoft.com/office/drawing/2014/main" id="{517EF7C3-9B92-4CCB-AB84-730AB08EC47A}"/>
+              </a:ext>
+            </a:extLst>
+          </p:cNvPr>
+          <p:cNvSpPr/>
+          <p:nvPr/>
+        </p:nvSpPr>
+        <p:spPr>
+          <a:xfrm>
+            <a:off x="2786744" y="5881985"/>
+            <a:ext cx="6096000" cy="430887"/>
+          </a:xfrm>
+          <a:prstGeom prst="rect">
+            <a:avLst/>
+          </a:prstGeom>
+        </p:spPr>
+        <p:txBody>
+          <a:bodyPr>
+            <a:spAutoFit/>
+          </a:bodyPr>
+          <a:lstStyle/>
+          <a:p>
+            <a:r>
+              <a:rPr lang="en-US" sz="1100" dirty="0">
+                <a:solidFill>
+                  <a:srgbClr val="222222"/>
+                </a:solidFill>
+                <a:latin typeface="Arial" panose="020B0604020202020204" pitchFamily="34" charset="0"/>
+              </a:rPr>
+              <a:t>Ni, </a:t>
+            </a:r>
+            <a:r>
+              <a:rPr lang="en-US" sz="1100" dirty="0" err="1">
+                <a:solidFill>
+                  <a:srgbClr val="222222"/>
+                </a:solidFill>
+                <a:latin typeface="Arial" panose="020B0604020202020204" pitchFamily="34" charset="0"/>
+              </a:rPr>
+              <a:t>Xingjie</a:t>
+            </a:r>
+            <a:r>
+              <a:rPr lang="en-US" sz="1100" dirty="0">
+                <a:solidFill>
+                  <a:srgbClr val="222222"/>
+                </a:solidFill>
+                <a:latin typeface="Arial" panose="020B0604020202020204" pitchFamily="34" charset="0"/>
+              </a:rPr>
+              <a:t>, Alexander V. </a:t>
+            </a:r>
+            <a:r>
+              <a:rPr lang="en-US" sz="1100" dirty="0" err="1">
+                <a:solidFill>
+                  <a:srgbClr val="222222"/>
+                </a:solidFill>
+                <a:latin typeface="Arial" panose="020B0604020202020204" pitchFamily="34" charset="0"/>
+              </a:rPr>
+              <a:t>Kildishev</a:t>
+            </a:r>
+            <a:r>
+              <a:rPr lang="en-US" sz="1100" dirty="0">
+                <a:solidFill>
+                  <a:srgbClr val="222222"/>
+                </a:solidFill>
+                <a:latin typeface="Arial" panose="020B0604020202020204" pitchFamily="34" charset="0"/>
+              </a:rPr>
+              <a:t>, and Vladimir M. </a:t>
+            </a:r>
+            <a:r>
+              <a:rPr lang="en-US" sz="1100" dirty="0" err="1">
+                <a:solidFill>
+                  <a:srgbClr val="222222"/>
+                </a:solidFill>
+                <a:latin typeface="Arial" panose="020B0604020202020204" pitchFamily="34" charset="0"/>
+              </a:rPr>
+              <a:t>Shalaev</a:t>
+            </a:r>
+            <a:r>
+              <a:rPr lang="en-US" sz="1100" dirty="0">
+                <a:solidFill>
+                  <a:srgbClr val="222222"/>
+                </a:solidFill>
+                <a:latin typeface="Arial" panose="020B0604020202020204" pitchFamily="34" charset="0"/>
+              </a:rPr>
+              <a:t>. "</a:t>
+            </a:r>
+            <a:r>
+              <a:rPr lang="en-US" sz="1100" dirty="0" err="1">
+                <a:solidFill>
+                  <a:srgbClr val="222222"/>
+                </a:solidFill>
+                <a:latin typeface="Arial" panose="020B0604020202020204" pitchFamily="34" charset="0"/>
+              </a:rPr>
+              <a:t>Metasurface</a:t>
+            </a:r>
+            <a:r>
+              <a:rPr lang="en-US" sz="1100" dirty="0">
+                <a:solidFill>
+                  <a:srgbClr val="222222"/>
+                </a:solidFill>
+                <a:latin typeface="Arial" panose="020B0604020202020204" pitchFamily="34" charset="0"/>
+              </a:rPr>
+              <a:t> holograms for visible light." </a:t>
+            </a:r>
+            <a:r>
+              <a:rPr lang="en-US" sz="1100" i="1" dirty="0">
+                <a:solidFill>
+                  <a:srgbClr val="222222"/>
+                </a:solidFill>
+                <a:latin typeface="Arial" panose="020B0604020202020204" pitchFamily="34" charset="0"/>
+              </a:rPr>
+              <a:t>Nature communications</a:t>
+            </a:r>
+            <a:r>
+              <a:rPr lang="en-US" sz="1100" dirty="0">
+                <a:solidFill>
+                  <a:srgbClr val="222222"/>
+                </a:solidFill>
+                <a:latin typeface="Arial" panose="020B0604020202020204" pitchFamily="34" charset="0"/>
+              </a:rPr>
+              <a:t> 4, no. 1 (2013): 1-6.</a:t>
+            </a:r>
+            <a:endParaRPr lang="en-US" sz="1100" dirty="0"/>
+          </a:p>
+        </p:txBody>
+      </p:sp>
+      <p:grpSp>
+        <p:nvGrpSpPr>
+          <p:cNvPr id="22" name="Group 21">
+            <a:extLst>
+              <a:ext uri="{FF2B5EF4-FFF2-40B4-BE49-F238E27FC236}">
+                <a16:creationId xmlns:a16="http://schemas.microsoft.com/office/drawing/2014/main" id="{49703872-93AA-423F-A3B7-BCD4F7DC68D6}"/>
+              </a:ext>
+            </a:extLst>
+          </p:cNvPr>
+          <p:cNvGrpSpPr/>
+          <p:nvPr/>
+        </p:nvGrpSpPr>
+        <p:grpSpPr>
+          <a:xfrm>
+            <a:off x="3597124" y="2183721"/>
+            <a:ext cx="974273" cy="1965848"/>
+            <a:chOff x="1818566" y="2203817"/>
+            <a:chExt cx="974273" cy="1965848"/>
+          </a:xfrm>
+        </p:grpSpPr>
+        <p:sp>
+          <p:nvSpPr>
+            <p:cNvPr id="8" name="Parallelogram 7">
+              <a:extLst>
+                <a:ext uri="{FF2B5EF4-FFF2-40B4-BE49-F238E27FC236}">
+                  <a16:creationId xmlns:a16="http://schemas.microsoft.com/office/drawing/2014/main" id="{C1E927AE-3648-4419-BED8-2B4BDE4B229B}"/>
+                </a:ext>
+              </a:extLst>
+            </p:cNvPr>
+            <p:cNvSpPr/>
+            <p:nvPr/>
+          </p:nvSpPr>
+          <p:spPr>
+            <a:xfrm>
+              <a:off x="1818566" y="2203817"/>
+              <a:ext cx="974273" cy="1965848"/>
+            </a:xfrm>
+            <a:prstGeom prst="parallelogram">
+              <a:avLst/>
+            </a:prstGeom>
+            <a:solidFill>
+              <a:srgbClr val="FFC000"/>
+            </a:solidFill>
+          </p:spPr>
+          <p:style>
+            <a:lnRef idx="2">
+              <a:schemeClr val="accent1">
+                <a:shade val="50000"/>
+              </a:schemeClr>
+            </a:lnRef>
+            <a:fillRef idx="1">
+              <a:schemeClr val="accent1"/>
+            </a:fillRef>
+            <a:effectRef idx="0">
+              <a:schemeClr val="accent1"/>
+            </a:effectRef>
+            <a:fontRef idx="minor">
+              <a:schemeClr val="lt1"/>
+            </a:fontRef>
+          </p:style>
+          <p:txBody>
+            <a:bodyPr rtlCol="0" anchor="ctr"/>
+            <a:lstStyle/>
+            <a:p>
+              <a:pPr algn="ctr"/>
+              <a:endParaRPr lang="en-US"/>
+            </a:p>
+          </p:txBody>
+        </p:sp>
+        <p:cxnSp>
+          <p:nvCxnSpPr>
+            <p:cNvPr id="10" name="Straight Connector 9">
+              <a:extLst>
+                <a:ext uri="{FF2B5EF4-FFF2-40B4-BE49-F238E27FC236}">
+                  <a16:creationId xmlns:a16="http://schemas.microsoft.com/office/drawing/2014/main" id="{38548140-9A5A-4DC9-B096-876F2517F4CB}"/>
+                </a:ext>
+              </a:extLst>
+            </p:cNvPr>
+            <p:cNvCxnSpPr>
+              <a:cxnSpLocks/>
+            </p:cNvCxnSpPr>
+            <p:nvPr/>
+          </p:nvCxnSpPr>
+          <p:spPr>
+            <a:xfrm>
+              <a:off x="2014220" y="2490106"/>
+              <a:ext cx="731520" cy="0"/>
+            </a:xfrm>
+            <a:prstGeom prst="line">
+              <a:avLst/>
+            </a:prstGeom>
+            <a:ln w="15875">
+              <a:solidFill>
+                <a:schemeClr val="tx1"/>
+              </a:solidFill>
+            </a:ln>
+          </p:spPr>
+          <p:style>
+            <a:lnRef idx="1">
+              <a:schemeClr val="accent1"/>
+            </a:lnRef>
+            <a:fillRef idx="0">
+              <a:schemeClr val="accent1"/>
+            </a:fillRef>
+            <a:effectRef idx="0">
+              <a:schemeClr val="accent1"/>
+            </a:effectRef>
+            <a:fontRef idx="minor">
+              <a:schemeClr val="tx1"/>
+            </a:fontRef>
+          </p:style>
+        </p:cxnSp>
+        <p:cxnSp>
+          <p:nvCxnSpPr>
+            <p:cNvPr id="14" name="Straight Connector 13">
+              <a:extLst>
+                <a:ext uri="{FF2B5EF4-FFF2-40B4-BE49-F238E27FC236}">
+                  <a16:creationId xmlns:a16="http://schemas.microsoft.com/office/drawing/2014/main" id="{0EB8E84C-D341-44AE-BBCE-6B864720D253}"/>
+                </a:ext>
+              </a:extLst>
+            </p:cNvPr>
+            <p:cNvCxnSpPr>
+              <a:cxnSpLocks/>
+            </p:cNvCxnSpPr>
+            <p:nvPr/>
+          </p:nvCxnSpPr>
+          <p:spPr>
+            <a:xfrm>
+              <a:off x="1981200" y="2822846"/>
+              <a:ext cx="731520" cy="0"/>
+            </a:xfrm>
+            <a:prstGeom prst="line">
+              <a:avLst/>
+            </a:prstGeom>
+            <a:ln w="15875">
+              <a:solidFill>
+                <a:schemeClr val="tx1"/>
+              </a:solidFill>
+            </a:ln>
+          </p:spPr>
+          <p:style>
+            <a:lnRef idx="1">
+              <a:schemeClr val="accent1"/>
+            </a:lnRef>
+            <a:fillRef idx="0">
+              <a:schemeClr val="accent1"/>
+            </a:fillRef>
+            <a:effectRef idx="0">
+              <a:schemeClr val="accent1"/>
+            </a:effectRef>
+            <a:fontRef idx="minor">
+              <a:schemeClr val="tx1"/>
+            </a:fontRef>
+          </p:style>
+        </p:cxnSp>
+        <p:cxnSp>
+          <p:nvCxnSpPr>
+            <p:cNvPr id="15" name="Straight Connector 14">
+              <a:extLst>
+                <a:ext uri="{FF2B5EF4-FFF2-40B4-BE49-F238E27FC236}">
+                  <a16:creationId xmlns:a16="http://schemas.microsoft.com/office/drawing/2014/main" id="{4191F613-368F-4D90-B59C-EC355D6B41D6}"/>
+                </a:ext>
+              </a:extLst>
+            </p:cNvPr>
+            <p:cNvCxnSpPr>
+              <a:cxnSpLocks/>
+            </p:cNvCxnSpPr>
+            <p:nvPr/>
+          </p:nvCxnSpPr>
+          <p:spPr>
+            <a:xfrm>
+              <a:off x="1941466" y="3160666"/>
+              <a:ext cx="731520" cy="0"/>
+            </a:xfrm>
+            <a:prstGeom prst="line">
+              <a:avLst/>
+            </a:prstGeom>
+            <a:ln w="15875">
+              <a:solidFill>
+                <a:schemeClr val="tx1"/>
+              </a:solidFill>
+            </a:ln>
+          </p:spPr>
+          <p:style>
+            <a:lnRef idx="1">
+              <a:schemeClr val="accent1"/>
+            </a:lnRef>
+            <a:fillRef idx="0">
+              <a:schemeClr val="accent1"/>
+            </a:fillRef>
+            <a:effectRef idx="0">
+              <a:schemeClr val="accent1"/>
+            </a:effectRef>
+            <a:fontRef idx="minor">
+              <a:schemeClr val="tx1"/>
+            </a:fontRef>
+          </p:style>
+        </p:cxnSp>
+        <p:cxnSp>
+          <p:nvCxnSpPr>
+            <p:cNvPr id="16" name="Straight Connector 15">
+              <a:extLst>
+                <a:ext uri="{FF2B5EF4-FFF2-40B4-BE49-F238E27FC236}">
+                  <a16:creationId xmlns:a16="http://schemas.microsoft.com/office/drawing/2014/main" id="{27347D50-DBEA-46BD-84A8-668C6E349466}"/>
+                </a:ext>
+              </a:extLst>
+            </p:cNvPr>
+            <p:cNvCxnSpPr>
+              <a:cxnSpLocks/>
+            </p:cNvCxnSpPr>
+            <p:nvPr/>
+          </p:nvCxnSpPr>
+          <p:spPr>
+            <a:xfrm>
+              <a:off x="1902350" y="3511186"/>
+              <a:ext cx="731520" cy="0"/>
+            </a:xfrm>
+            <a:prstGeom prst="line">
+              <a:avLst/>
+            </a:prstGeom>
+            <a:ln w="15875">
+              <a:solidFill>
+                <a:schemeClr val="tx1"/>
+              </a:solidFill>
+            </a:ln>
+          </p:spPr>
+          <p:style>
+            <a:lnRef idx="1">
+              <a:schemeClr val="accent1"/>
+            </a:lnRef>
+            <a:fillRef idx="0">
+              <a:schemeClr val="accent1"/>
+            </a:fillRef>
+            <a:effectRef idx="0">
+              <a:schemeClr val="accent1"/>
+            </a:effectRef>
+            <a:fontRef idx="minor">
+              <a:schemeClr val="tx1"/>
+            </a:fontRef>
+          </p:style>
+        </p:cxnSp>
+        <p:cxnSp>
+          <p:nvCxnSpPr>
+            <p:cNvPr id="17" name="Straight Connector 16">
+              <a:extLst>
+                <a:ext uri="{FF2B5EF4-FFF2-40B4-BE49-F238E27FC236}">
+                  <a16:creationId xmlns:a16="http://schemas.microsoft.com/office/drawing/2014/main" id="{46E5071D-586D-42FF-AB7C-E8FEB73A2AE6}"/>
+                </a:ext>
+              </a:extLst>
+            </p:cNvPr>
+            <p:cNvCxnSpPr>
+              <a:cxnSpLocks/>
+            </p:cNvCxnSpPr>
+            <p:nvPr/>
+          </p:nvCxnSpPr>
+          <p:spPr>
+            <a:xfrm>
+              <a:off x="1860804" y="3861706"/>
+              <a:ext cx="731520" cy="0"/>
+            </a:xfrm>
+            <a:prstGeom prst="line">
+              <a:avLst/>
+            </a:prstGeom>
+            <a:ln w="15875">
+              <a:solidFill>
+                <a:schemeClr val="tx1"/>
+              </a:solidFill>
+            </a:ln>
+          </p:spPr>
+          <p:style>
+            <a:lnRef idx="1">
+              <a:schemeClr val="accent1"/>
+            </a:lnRef>
+            <a:fillRef idx="0">
+              <a:schemeClr val="accent1"/>
+            </a:fillRef>
+            <a:effectRef idx="0">
+              <a:schemeClr val="accent1"/>
+            </a:effectRef>
+            <a:fontRef idx="minor">
+              <a:schemeClr val="tx1"/>
+            </a:fontRef>
+          </p:style>
+        </p:cxnSp>
+        <p:cxnSp>
+          <p:nvCxnSpPr>
+            <p:cNvPr id="19" name="Straight Connector 18">
+              <a:extLst>
+                <a:ext uri="{FF2B5EF4-FFF2-40B4-BE49-F238E27FC236}">
+                  <a16:creationId xmlns:a16="http://schemas.microsoft.com/office/drawing/2014/main" id="{FB28121D-786F-4BBC-A77A-72AD1DE2BF74}"/>
+                </a:ext>
+              </a:extLst>
+            </p:cNvPr>
+            <p:cNvCxnSpPr>
+              <a:cxnSpLocks/>
+            </p:cNvCxnSpPr>
+            <p:nvPr/>
+          </p:nvCxnSpPr>
+          <p:spPr>
+            <a:xfrm flipH="1">
+              <a:off x="2055766" y="2207150"/>
+              <a:ext cx="249936" cy="1962515"/>
+            </a:xfrm>
+            <a:prstGeom prst="line">
+              <a:avLst/>
+            </a:prstGeom>
+            <a:ln w="19050">
+              <a:solidFill>
+                <a:schemeClr val="tx1"/>
+              </a:solidFill>
+            </a:ln>
+          </p:spPr>
+          <p:style>
+            <a:lnRef idx="1">
+              <a:schemeClr val="accent1"/>
+            </a:lnRef>
+            <a:fillRef idx="0">
+              <a:schemeClr val="accent1"/>
+            </a:fillRef>
+            <a:effectRef idx="0">
+              <a:schemeClr val="accent1"/>
+            </a:effectRef>
+            <a:fontRef idx="minor">
+              <a:schemeClr val="tx1"/>
+            </a:fontRef>
+          </p:style>
+        </p:cxnSp>
+        <p:cxnSp>
+          <p:nvCxnSpPr>
+            <p:cNvPr id="21" name="Straight Connector 20">
+              <a:extLst>
+                <a:ext uri="{FF2B5EF4-FFF2-40B4-BE49-F238E27FC236}">
+                  <a16:creationId xmlns:a16="http://schemas.microsoft.com/office/drawing/2014/main" id="{C666A7FE-238A-4A7D-BAD3-58C29E2A99FD}"/>
+                </a:ext>
+              </a:extLst>
+            </p:cNvPr>
+            <p:cNvCxnSpPr>
+              <a:cxnSpLocks/>
+            </p:cNvCxnSpPr>
+            <p:nvPr/>
+          </p:nvCxnSpPr>
+          <p:spPr>
+            <a:xfrm flipH="1">
+              <a:off x="2280992" y="2207150"/>
+              <a:ext cx="249936" cy="1962515"/>
+            </a:xfrm>
+            <a:prstGeom prst="line">
+              <a:avLst/>
+            </a:prstGeom>
+            <a:ln w="19050">
+              <a:solidFill>
+                <a:schemeClr val="tx1"/>
+              </a:solidFill>
+            </a:ln>
+          </p:spPr>
+          <p:style>
+            <a:lnRef idx="1">
+              <a:schemeClr val="accent1"/>
+            </a:lnRef>
+            <a:fillRef idx="0">
+              <a:schemeClr val="accent1"/>
+            </a:fillRef>
+            <a:effectRef idx="0">
+              <a:schemeClr val="accent1"/>
+            </a:effectRef>
+            <a:fontRef idx="minor">
+              <a:schemeClr val="tx1"/>
+            </a:fontRef>
+          </p:style>
+        </p:cxnSp>
+      </p:grpSp>
+      <p:grpSp>
+        <p:nvGrpSpPr>
+          <p:cNvPr id="23" name="Group 22">
+            <a:extLst>
+              <a:ext uri="{FF2B5EF4-FFF2-40B4-BE49-F238E27FC236}">
+                <a16:creationId xmlns:a16="http://schemas.microsoft.com/office/drawing/2014/main" id="{507CABF0-1678-4C2E-B12A-62F998A4E46F}"/>
+              </a:ext>
+            </a:extLst>
+          </p:cNvPr>
+          <p:cNvGrpSpPr/>
+          <p:nvPr/>
+        </p:nvGrpSpPr>
+        <p:grpSpPr>
+          <a:xfrm>
+            <a:off x="7704915" y="2203946"/>
+            <a:ext cx="974273" cy="1965848"/>
+            <a:chOff x="1818566" y="2203817"/>
+            <a:chExt cx="974273" cy="1965848"/>
+          </a:xfrm>
+        </p:grpSpPr>
+        <p:sp>
+          <p:nvSpPr>
+            <p:cNvPr id="24" name="Parallelogram 23">
+              <a:extLst>
+                <a:ext uri="{FF2B5EF4-FFF2-40B4-BE49-F238E27FC236}">
+                  <a16:creationId xmlns:a16="http://schemas.microsoft.com/office/drawing/2014/main" id="{15FACB1F-1E35-4E34-8914-94BEC0969B2E}"/>
+                </a:ext>
+              </a:extLst>
+            </p:cNvPr>
+            <p:cNvSpPr/>
+            <p:nvPr/>
+          </p:nvSpPr>
+          <p:spPr>
+            <a:xfrm>
+              <a:off x="1818566" y="2203817"/>
+              <a:ext cx="974273" cy="1965848"/>
+            </a:xfrm>
+            <a:prstGeom prst="parallelogram">
+              <a:avLst/>
+            </a:prstGeom>
+            <a:solidFill>
+              <a:schemeClr val="accent1"/>
+            </a:solidFill>
+          </p:spPr>
+          <p:style>
+            <a:lnRef idx="2">
+              <a:schemeClr val="accent1">
+                <a:shade val="50000"/>
+              </a:schemeClr>
+            </a:lnRef>
+            <a:fillRef idx="1">
+              <a:schemeClr val="accent1"/>
+            </a:fillRef>
+            <a:effectRef idx="0">
+              <a:schemeClr val="accent1"/>
+            </a:effectRef>
+            <a:fontRef idx="minor">
+              <a:schemeClr val="lt1"/>
+            </a:fontRef>
+          </p:style>
+          <p:txBody>
+            <a:bodyPr rtlCol="0" anchor="ctr"/>
+            <a:lstStyle/>
+            <a:p>
+              <a:pPr algn="ctr"/>
+              <a:endParaRPr lang="en-US"/>
+            </a:p>
+          </p:txBody>
+        </p:sp>
+        <p:cxnSp>
+          <p:nvCxnSpPr>
+            <p:cNvPr id="25" name="Straight Connector 24">
+              <a:extLst>
+                <a:ext uri="{FF2B5EF4-FFF2-40B4-BE49-F238E27FC236}">
+                  <a16:creationId xmlns:a16="http://schemas.microsoft.com/office/drawing/2014/main" id="{B2F05E5F-3F89-411A-9861-4CD0F6CB6E0E}"/>
+                </a:ext>
+              </a:extLst>
+            </p:cNvPr>
+            <p:cNvCxnSpPr>
+              <a:cxnSpLocks/>
+            </p:cNvCxnSpPr>
+            <p:nvPr/>
+          </p:nvCxnSpPr>
+          <p:spPr>
+            <a:xfrm>
+              <a:off x="2014220" y="2490106"/>
+              <a:ext cx="731520" cy="0"/>
+            </a:xfrm>
+            <a:prstGeom prst="line">
+              <a:avLst/>
+            </a:prstGeom>
+            <a:ln w="15875">
+              <a:solidFill>
+                <a:schemeClr val="tx1"/>
+              </a:solidFill>
+            </a:ln>
+          </p:spPr>
+          <p:style>
+            <a:lnRef idx="1">
+              <a:schemeClr val="accent1"/>
+            </a:lnRef>
+            <a:fillRef idx="0">
+              <a:schemeClr val="accent1"/>
+            </a:fillRef>
+            <a:effectRef idx="0">
+              <a:schemeClr val="accent1"/>
+            </a:effectRef>
+            <a:fontRef idx="minor">
+              <a:schemeClr val="tx1"/>
+            </a:fontRef>
+          </p:style>
+        </p:cxnSp>
+        <p:cxnSp>
+          <p:nvCxnSpPr>
+            <p:cNvPr id="26" name="Straight Connector 25">
+              <a:extLst>
+                <a:ext uri="{FF2B5EF4-FFF2-40B4-BE49-F238E27FC236}">
+                  <a16:creationId xmlns:a16="http://schemas.microsoft.com/office/drawing/2014/main" id="{4D3EF29B-3B68-4807-AD65-77CCDEB7BC7A}"/>
+                </a:ext>
+              </a:extLst>
+            </p:cNvPr>
+            <p:cNvCxnSpPr>
+              <a:cxnSpLocks/>
+            </p:cNvCxnSpPr>
+            <p:nvPr/>
+          </p:nvCxnSpPr>
+          <p:spPr>
+            <a:xfrm>
+              <a:off x="1981200" y="2822846"/>
+              <a:ext cx="731520" cy="0"/>
+            </a:xfrm>
+            <a:prstGeom prst="line">
+              <a:avLst/>
+            </a:prstGeom>
+            <a:ln w="15875">
+              <a:solidFill>
+                <a:schemeClr val="tx1"/>
+              </a:solidFill>
+            </a:ln>
+          </p:spPr>
+          <p:style>
+            <a:lnRef idx="1">
+              <a:schemeClr val="accent1"/>
+            </a:lnRef>
+            <a:fillRef idx="0">
+              <a:schemeClr val="accent1"/>
+            </a:fillRef>
+            <a:effectRef idx="0">
+              <a:schemeClr val="accent1"/>
+            </a:effectRef>
+            <a:fontRef idx="minor">
+              <a:schemeClr val="tx1"/>
+            </a:fontRef>
+          </p:style>
+        </p:cxnSp>
+        <p:cxnSp>
+          <p:nvCxnSpPr>
+            <p:cNvPr id="27" name="Straight Connector 26">
+              <a:extLst>
+                <a:ext uri="{FF2B5EF4-FFF2-40B4-BE49-F238E27FC236}">
+                  <a16:creationId xmlns:a16="http://schemas.microsoft.com/office/drawing/2014/main" id="{C3164142-4421-45FA-8954-91F254AA6866}"/>
+                </a:ext>
+              </a:extLst>
+            </p:cNvPr>
+            <p:cNvCxnSpPr>
+              <a:cxnSpLocks/>
+            </p:cNvCxnSpPr>
+            <p:nvPr/>
+          </p:nvCxnSpPr>
+          <p:spPr>
+            <a:xfrm>
+              <a:off x="1941466" y="3160666"/>
+              <a:ext cx="731520" cy="0"/>
+            </a:xfrm>
+            <a:prstGeom prst="line">
+              <a:avLst/>
+            </a:prstGeom>
+            <a:ln w="15875">
+              <a:solidFill>
+                <a:schemeClr val="tx1"/>
+              </a:solidFill>
+            </a:ln>
+          </p:spPr>
+          <p:style>
+            <a:lnRef idx="1">
+              <a:schemeClr val="accent1"/>
+            </a:lnRef>
+            <a:fillRef idx="0">
+              <a:schemeClr val="accent1"/>
+            </a:fillRef>
+            <a:effectRef idx="0">
+              <a:schemeClr val="accent1"/>
+            </a:effectRef>
+            <a:fontRef idx="minor">
+              <a:schemeClr val="tx1"/>
+            </a:fontRef>
+          </p:style>
+        </p:cxnSp>
+        <p:cxnSp>
+          <p:nvCxnSpPr>
+            <p:cNvPr id="28" name="Straight Connector 27">
+              <a:extLst>
+                <a:ext uri="{FF2B5EF4-FFF2-40B4-BE49-F238E27FC236}">
+                  <a16:creationId xmlns:a16="http://schemas.microsoft.com/office/drawing/2014/main" id="{42CF29AB-B77C-4E32-BB79-C139AED85D6A}"/>
+                </a:ext>
+              </a:extLst>
+            </p:cNvPr>
+            <p:cNvCxnSpPr>
+              <a:cxnSpLocks/>
+            </p:cNvCxnSpPr>
+            <p:nvPr/>
+          </p:nvCxnSpPr>
+          <p:spPr>
+            <a:xfrm>
+              <a:off x="1902350" y="3511186"/>
+              <a:ext cx="731520" cy="0"/>
+            </a:xfrm>
+            <a:prstGeom prst="line">
+              <a:avLst/>
+            </a:prstGeom>
+            <a:ln w="15875">
+              <a:solidFill>
+                <a:schemeClr val="tx1"/>
+              </a:solidFill>
+            </a:ln>
+          </p:spPr>
+          <p:style>
+            <a:lnRef idx="1">
+              <a:schemeClr val="accent1"/>
+            </a:lnRef>
+            <a:fillRef idx="0">
+              <a:schemeClr val="accent1"/>
+            </a:fillRef>
+            <a:effectRef idx="0">
+              <a:schemeClr val="accent1"/>
+            </a:effectRef>
+            <a:fontRef idx="minor">
+              <a:schemeClr val="tx1"/>
+            </a:fontRef>
+          </p:style>
+        </p:cxnSp>
+        <p:cxnSp>
+          <p:nvCxnSpPr>
+            <p:cNvPr id="29" name="Straight Connector 28">
+              <a:extLst>
+                <a:ext uri="{FF2B5EF4-FFF2-40B4-BE49-F238E27FC236}">
+                  <a16:creationId xmlns:a16="http://schemas.microsoft.com/office/drawing/2014/main" id="{B304B545-4F37-41E8-9678-F8557AB88DA4}"/>
+                </a:ext>
+              </a:extLst>
+            </p:cNvPr>
+            <p:cNvCxnSpPr>
+              <a:cxnSpLocks/>
+            </p:cNvCxnSpPr>
+            <p:nvPr/>
+          </p:nvCxnSpPr>
+          <p:spPr>
+            <a:xfrm>
+              <a:off x="1860804" y="3861706"/>
+              <a:ext cx="731520" cy="0"/>
+            </a:xfrm>
+            <a:prstGeom prst="line">
+              <a:avLst/>
+            </a:prstGeom>
+            <a:ln w="15875">
+              <a:solidFill>
+                <a:schemeClr val="tx1"/>
+              </a:solidFill>
+            </a:ln>
+          </p:spPr>
+          <p:style>
+            <a:lnRef idx="1">
+              <a:schemeClr val="accent1"/>
+            </a:lnRef>
+            <a:fillRef idx="0">
+              <a:schemeClr val="accent1"/>
+            </a:fillRef>
+            <a:effectRef idx="0">
+              <a:schemeClr val="accent1"/>
+            </a:effectRef>
+            <a:fontRef idx="minor">
+              <a:schemeClr val="tx1"/>
+            </a:fontRef>
+          </p:style>
+        </p:cxnSp>
+        <p:cxnSp>
+          <p:nvCxnSpPr>
+            <p:cNvPr id="30" name="Straight Connector 29">
+              <a:extLst>
+                <a:ext uri="{FF2B5EF4-FFF2-40B4-BE49-F238E27FC236}">
+                  <a16:creationId xmlns:a16="http://schemas.microsoft.com/office/drawing/2014/main" id="{00CA41F7-27C3-4B63-A759-4D5877CDA2CB}"/>
+                </a:ext>
+              </a:extLst>
+            </p:cNvPr>
+            <p:cNvCxnSpPr>
+              <a:cxnSpLocks/>
+            </p:cNvCxnSpPr>
+            <p:nvPr/>
+          </p:nvCxnSpPr>
+          <p:spPr>
+            <a:xfrm flipH="1">
+              <a:off x="2055766" y="2207150"/>
+              <a:ext cx="249936" cy="1962515"/>
+            </a:xfrm>
+            <a:prstGeom prst="line">
+              <a:avLst/>
+            </a:prstGeom>
+            <a:ln w="19050">
+              <a:solidFill>
+                <a:schemeClr val="tx1"/>
+              </a:solidFill>
+            </a:ln>
+          </p:spPr>
+          <p:style>
+            <a:lnRef idx="1">
+              <a:schemeClr val="accent1"/>
+            </a:lnRef>
+            <a:fillRef idx="0">
+              <a:schemeClr val="accent1"/>
+            </a:fillRef>
+            <a:effectRef idx="0">
+              <a:schemeClr val="accent1"/>
+            </a:effectRef>
+            <a:fontRef idx="minor">
+              <a:schemeClr val="tx1"/>
+            </a:fontRef>
+          </p:style>
+        </p:cxnSp>
+        <p:cxnSp>
+          <p:nvCxnSpPr>
+            <p:cNvPr id="31" name="Straight Connector 30">
+              <a:extLst>
+                <a:ext uri="{FF2B5EF4-FFF2-40B4-BE49-F238E27FC236}">
+                  <a16:creationId xmlns:a16="http://schemas.microsoft.com/office/drawing/2014/main" id="{6FA2995A-E33D-4B0F-9BBB-AFD51B1FF0A4}"/>
+                </a:ext>
+              </a:extLst>
+            </p:cNvPr>
+            <p:cNvCxnSpPr>
+              <a:cxnSpLocks/>
+            </p:cNvCxnSpPr>
+            <p:nvPr/>
+          </p:nvCxnSpPr>
+          <p:spPr>
+            <a:xfrm flipH="1">
+              <a:off x="2280992" y="2207150"/>
+              <a:ext cx="249936" cy="1962515"/>
+            </a:xfrm>
+            <a:prstGeom prst="line">
+              <a:avLst/>
+            </a:prstGeom>
+            <a:ln w="19050">
+              <a:solidFill>
+                <a:schemeClr val="tx1"/>
+              </a:solidFill>
+            </a:ln>
+          </p:spPr>
+          <p:style>
+            <a:lnRef idx="1">
+              <a:schemeClr val="accent1"/>
+            </a:lnRef>
+            <a:fillRef idx="0">
+              <a:schemeClr val="accent1"/>
+            </a:fillRef>
+            <a:effectRef idx="0">
+              <a:schemeClr val="accent1"/>
+            </a:effectRef>
+            <a:fontRef idx="minor">
+              <a:schemeClr val="tx1"/>
+            </a:fontRef>
+          </p:style>
+        </p:cxnSp>
+      </p:grpSp>
+      <p:sp>
+        <p:nvSpPr>
+          <p:cNvPr id="32" name="TextBox 31">
+            <a:extLst>
+              <a:ext uri="{FF2B5EF4-FFF2-40B4-BE49-F238E27FC236}">
+                <a16:creationId xmlns:a16="http://schemas.microsoft.com/office/drawing/2014/main" id="{ABA078EF-7A28-4730-9D3D-DECCBFFF1E9D}"/>
+              </a:ext>
+            </a:extLst>
+          </p:cNvPr>
+          <p:cNvSpPr txBox="1"/>
+          <p:nvPr/>
+        </p:nvSpPr>
+        <p:spPr>
+          <a:xfrm>
+            <a:off x="4069582" y="311499"/>
+            <a:ext cx="2903974" cy="369332"/>
+          </a:xfrm>
+          <a:prstGeom prst="rect">
+            <a:avLst/>
+          </a:prstGeom>
+          <a:noFill/>
+        </p:spPr>
+        <p:txBody>
+          <a:bodyPr wrap="square" rtlCol="0">
+            <a:spAutoFit/>
+          </a:bodyPr>
+          <a:lstStyle/>
+          <a:p>
+            <a:r>
+              <a:rPr lang="en-US" b="1" dirty="0"/>
+              <a:t>Hologram Calculation</a:t>
+            </a:r>
+          </a:p>
+        </p:txBody>
+      </p:sp>
+      <p:sp>
+        <p:nvSpPr>
+          <p:cNvPr id="33" name="TextBox 32">
+            <a:extLst>
+              <a:ext uri="{FF2B5EF4-FFF2-40B4-BE49-F238E27FC236}">
+                <a16:creationId xmlns:a16="http://schemas.microsoft.com/office/drawing/2014/main" id="{8A5925E4-972C-4762-91A6-EC5EBC1E7A09}"/>
+              </a:ext>
+            </a:extLst>
+          </p:cNvPr>
+          <p:cNvSpPr txBox="1"/>
+          <p:nvPr/>
+        </p:nvSpPr>
+        <p:spPr>
+          <a:xfrm>
+            <a:off x="7114454" y="4268084"/>
+            <a:ext cx="2080009" cy="369332"/>
+          </a:xfrm>
+          <a:prstGeom prst="rect">
+            <a:avLst/>
+          </a:prstGeom>
+          <a:noFill/>
+        </p:spPr>
+        <p:txBody>
+          <a:bodyPr wrap="square" rtlCol="0">
+            <a:spAutoFit/>
+          </a:bodyPr>
+          <a:lstStyle/>
+          <a:p>
+            <a:r>
+              <a:rPr lang="en-US" dirty="0"/>
+              <a:t>Sample Plane Grids</a:t>
+            </a:r>
+          </a:p>
+        </p:txBody>
+      </p:sp>
+      <p:sp>
+        <p:nvSpPr>
+          <p:cNvPr id="34" name="TextBox 33">
+            <a:extLst>
+              <a:ext uri="{FF2B5EF4-FFF2-40B4-BE49-F238E27FC236}">
+                <a16:creationId xmlns:a16="http://schemas.microsoft.com/office/drawing/2014/main" id="{B81229CD-E7E5-4DEA-9A99-59247BF8E916}"/>
+              </a:ext>
+            </a:extLst>
+          </p:cNvPr>
+          <p:cNvSpPr txBox="1"/>
+          <p:nvPr/>
+        </p:nvSpPr>
+        <p:spPr>
+          <a:xfrm>
+            <a:off x="2818788" y="4247859"/>
+            <a:ext cx="2372668" cy="369332"/>
+          </a:xfrm>
+          <a:prstGeom prst="rect">
+            <a:avLst/>
+          </a:prstGeom>
+          <a:noFill/>
+        </p:spPr>
+        <p:txBody>
+          <a:bodyPr wrap="square" rtlCol="0">
+            <a:spAutoFit/>
+          </a:bodyPr>
+          <a:lstStyle/>
+          <a:p>
+            <a:r>
+              <a:rPr lang="en-US" dirty="0"/>
+              <a:t>Image Plane Grids</a:t>
+            </a:r>
+          </a:p>
+        </p:txBody>
+      </p:sp>
+      <p:cxnSp>
+        <p:nvCxnSpPr>
+          <p:cNvPr id="36" name="Straight Arrow Connector 35">
+            <a:extLst>
+              <a:ext uri="{FF2B5EF4-FFF2-40B4-BE49-F238E27FC236}">
+                <a16:creationId xmlns:a16="http://schemas.microsoft.com/office/drawing/2014/main" id="{2D561F1A-0BF2-4C04-AFC5-FFEFE6BB15AB}"/>
+              </a:ext>
+            </a:extLst>
+          </p:cNvPr>
+          <p:cNvCxnSpPr>
+            <a:cxnSpLocks/>
+          </p:cNvCxnSpPr>
+          <p:nvPr/>
+        </p:nvCxnSpPr>
+        <p:spPr>
+          <a:xfrm>
+            <a:off x="4630143" y="3166645"/>
+            <a:ext cx="3074772" cy="0"/>
+          </a:xfrm>
+          <a:prstGeom prst="straightConnector1">
+            <a:avLst/>
+          </a:prstGeom>
+          <a:ln>
+            <a:tailEnd type="triangle"/>
+          </a:ln>
+        </p:spPr>
+        <p:style>
+          <a:lnRef idx="1">
+            <a:schemeClr val="accent1"/>
+          </a:lnRef>
+          <a:fillRef idx="0">
+            <a:schemeClr val="accent1"/>
+          </a:fillRef>
+          <a:effectRef idx="0">
+            <a:schemeClr val="accent1"/>
+          </a:effectRef>
+          <a:fontRef idx="minor">
+            <a:schemeClr val="tx1"/>
+          </a:fontRef>
+        </p:style>
+      </p:cxnSp>
       <p:pic>
         <p:nvPicPr>
-          <p:cNvPr id="4" name="Picture 3">
-            <a:extLst>
-              <a:ext uri="{FF2B5EF4-FFF2-40B4-BE49-F238E27FC236}">
-                <a16:creationId xmlns:a16="http://schemas.microsoft.com/office/drawing/2014/main" id="{3AED351B-C10A-4D09-AD86-FAA6EAA17AFE}"/>
+          <p:cNvPr id="37" name="Picture 36">
+            <a:extLst>
+              <a:ext uri="{FF2B5EF4-FFF2-40B4-BE49-F238E27FC236}">
+                <a16:creationId xmlns:a16="http://schemas.microsoft.com/office/drawing/2014/main" id="{84ABBE97-E001-4C5F-8077-AC47D7A5E666}"/>
               </a:ext>
             </a:extLst>
           </p:cNvPr>
@@ -3344,60 +4368,30 @@
         </p:blipFill>
         <p:spPr>
           <a:xfrm>
-            <a:off x="6096000" y="1428750"/>
-            <a:ext cx="5334000" cy="4000500"/>
+            <a:off x="4550962" y="2663559"/>
+            <a:ext cx="3276853" cy="347478"/>
           </a:xfrm>
           <a:prstGeom prst="rect">
             <a:avLst/>
           </a:prstGeom>
         </p:spPr>
       </p:pic>
-      <p:pic>
-        <p:nvPicPr>
-          <p:cNvPr id="5" name="Picture 4">
-            <a:extLst>
-              <a:ext uri="{FF2B5EF4-FFF2-40B4-BE49-F238E27FC236}">
-                <a16:creationId xmlns:a16="http://schemas.microsoft.com/office/drawing/2014/main" id="{81D18E00-36C9-49EC-856F-4B7A3E26332B}"/>
-              </a:ext>
-            </a:extLst>
-          </p:cNvPr>
-          <p:cNvPicPr>
-            <a:picLocks noChangeAspect="1"/>
-          </p:cNvPicPr>
+      <p:sp>
+        <p:nvSpPr>
+          <p:cNvPr id="39" name="TextBox 38">
+            <a:extLst>
+              <a:ext uri="{FF2B5EF4-FFF2-40B4-BE49-F238E27FC236}">
+                <a16:creationId xmlns:a16="http://schemas.microsoft.com/office/drawing/2014/main" id="{B0C0F794-6AEA-4EFD-9D3C-DDEEE0B61D91}"/>
+              </a:ext>
+            </a:extLst>
+          </p:cNvPr>
+          <p:cNvSpPr txBox="1"/>
           <p:nvPr/>
-        </p:nvPicPr>
-        <p:blipFill>
-          <a:blip r:embed="rId3"/>
-          <a:stretch>
-            <a:fillRect/>
-          </a:stretch>
-        </p:blipFill>
+        </p:nvSpPr>
         <p:spPr>
           <a:xfrm>
-            <a:off x="1117242" y="1428750"/>
-            <a:ext cx="5334000" cy="4000500"/>
-          </a:xfrm>
-          <a:prstGeom prst="rect">
-            <a:avLst/>
-          </a:prstGeom>
-        </p:spPr>
-      </p:pic>
-      <p:sp>
-        <p:nvSpPr>
-          <p:cNvPr id="6" name="TextBox 5">
-            <a:extLst>
-              <a:ext uri="{FF2B5EF4-FFF2-40B4-BE49-F238E27FC236}">
-                <a16:creationId xmlns:a16="http://schemas.microsoft.com/office/drawing/2014/main" id="{8A3C7B74-C52D-4AE6-BB54-7F32AA09D589}"/>
-              </a:ext>
-            </a:extLst>
-          </p:cNvPr>
-          <p:cNvSpPr txBox="1"/>
-          <p:nvPr/>
-        </p:nvSpPr>
-        <p:spPr>
-          <a:xfrm>
-            <a:off x="3876541" y="521594"/>
-            <a:ext cx="3882980" cy="369332"/>
+            <a:off x="5191456" y="4809099"/>
+            <a:ext cx="2372668" cy="646331"/>
           </a:xfrm>
           <a:prstGeom prst="rect">
             <a:avLst/>
@@ -3411,16 +4405,244 @@
           <a:lstStyle/>
           <a:p>
             <a:r>
-              <a:rPr lang="en-US" b="1" dirty="0"/>
-              <a:t>Double Point Interference</a:t>
-            </a:r>
-          </a:p>
-        </p:txBody>
-      </p:sp>
+              <a:rPr lang="en-US" dirty="0"/>
+              <a:t>Green Function of Point Source</a:t>
+            </a:r>
+          </a:p>
+        </p:txBody>
+      </p:sp>
+      <mc:AlternateContent xmlns:mc="http://schemas.openxmlformats.org/markup-compatibility/2006">
+        <mc:Choice xmlns:a14="http://schemas.microsoft.com/office/drawing/2010/main" Requires="a14">
+          <p:sp>
+            <p:nvSpPr>
+              <p:cNvPr id="40" name="TextBox 39">
+                <a:extLst>
+                  <a:ext uri="{FF2B5EF4-FFF2-40B4-BE49-F238E27FC236}">
+                    <a16:creationId xmlns:a16="http://schemas.microsoft.com/office/drawing/2014/main" id="{65B5A0F3-B1C4-4181-B2AD-7EB283AA2E45}"/>
+                  </a:ext>
+                </a:extLst>
+              </p:cNvPr>
+              <p:cNvSpPr txBox="1"/>
+              <p:nvPr/>
+            </p:nvSpPr>
+            <p:spPr>
+              <a:xfrm>
+                <a:off x="8620823" y="3314675"/>
+                <a:ext cx="258789" cy="276999"/>
+              </a:xfrm>
+              <a:prstGeom prst="rect">
+                <a:avLst/>
+              </a:prstGeom>
+              <a:noFill/>
+            </p:spPr>
+            <p:txBody>
+              <a:bodyPr wrap="none" lIns="0" tIns="0" rIns="0" bIns="0" rtlCol="0">
+                <a:spAutoFit/>
+              </a:bodyPr>
+              <a:lstStyle/>
+              <a:p>
+                <a14:m>
+                  <m:oMathPara xmlns:m="http://schemas.openxmlformats.org/officeDocument/2006/math">
+                    <m:oMathParaPr>
+                      <m:jc m:val="centerGroup"/>
+                    </m:oMathParaPr>
+                    <m:oMath xmlns:m="http://schemas.openxmlformats.org/officeDocument/2006/math">
+                      <m:sSub>
+                        <m:sSubPr>
+                          <m:ctrlPr>
+                            <a:rPr lang="en-US" i="1" smtClean="0">
+                              <a:latin typeface="Cambria Math" panose="02040503050406030204" pitchFamily="18" charset="0"/>
+                            </a:rPr>
+                          </m:ctrlPr>
+                        </m:sSubPr>
+                        <m:e>
+                          <m:r>
+                            <a:rPr lang="en-US" b="0" i="1" smtClean="0">
+                              <a:latin typeface="Cambria Math" panose="02040503050406030204" pitchFamily="18" charset="0"/>
+                            </a:rPr>
+                            <m:t>𝑟</m:t>
+                          </m:r>
+                        </m:e>
+                        <m:sub>
+                          <m:r>
+                            <a:rPr lang="en-US" b="0" i="1" smtClean="0">
+                              <a:latin typeface="Cambria Math" panose="02040503050406030204" pitchFamily="18" charset="0"/>
+                            </a:rPr>
+                            <m:t>𝑑</m:t>
+                          </m:r>
+                        </m:sub>
+                      </m:sSub>
+                    </m:oMath>
+                  </m:oMathPara>
+                </a14:m>
+                <a:endParaRPr lang="en-US" dirty="0"/>
+              </a:p>
+            </p:txBody>
+          </p:sp>
+        </mc:Choice>
+        <mc:Fallback>
+          <p:sp>
+            <p:nvSpPr>
+              <p:cNvPr id="40" name="TextBox 39">
+                <a:extLst>
+                  <a:ext uri="{FF2B5EF4-FFF2-40B4-BE49-F238E27FC236}">
+                    <a16:creationId xmlns:a16="http://schemas.microsoft.com/office/drawing/2014/main" id="{65B5A0F3-B1C4-4181-B2AD-7EB283AA2E45}"/>
+                  </a:ext>
+                </a:extLst>
+              </p:cNvPr>
+              <p:cNvSpPr txBox="1">
+                <a:spLocks noRot="1" noChangeAspect="1" noMove="1" noResize="1" noEditPoints="1" noAdjustHandles="1" noChangeArrowheads="1" noChangeShapeType="1" noTextEdit="1"/>
+              </p:cNvSpPr>
+              <p:nvPr/>
+            </p:nvSpPr>
+            <p:spPr>
+              <a:xfrm>
+                <a:off x="8620823" y="3314675"/>
+                <a:ext cx="258789" cy="276999"/>
+              </a:xfrm>
+              <a:prstGeom prst="rect">
+                <a:avLst/>
+              </a:prstGeom>
+              <a:blipFill>
+                <a:blip r:embed="rId3"/>
+                <a:stretch>
+                  <a:fillRect l="-11628" r="-9302" b="-17778"/>
+                </a:stretch>
+              </a:blipFill>
+            </p:spPr>
+            <p:txBody>
+              <a:bodyPr/>
+              <a:lstStyle/>
+              <a:p>
+                <a:r>
+                  <a:rPr lang="en-US">
+                    <a:noFill/>
+                  </a:rPr>
+                  <a:t> </a:t>
+                </a:r>
+              </a:p>
+            </p:txBody>
+          </p:sp>
+        </mc:Fallback>
+      </mc:AlternateContent>
+      <mc:AlternateContent xmlns:mc="http://schemas.openxmlformats.org/markup-compatibility/2006">
+        <mc:Choice xmlns:a14="http://schemas.microsoft.com/office/drawing/2010/main" Requires="a14">
+          <p:sp>
+            <p:nvSpPr>
+              <p:cNvPr id="41" name="TextBox 40">
+                <a:extLst>
+                  <a:ext uri="{FF2B5EF4-FFF2-40B4-BE49-F238E27FC236}">
+                    <a16:creationId xmlns:a16="http://schemas.microsoft.com/office/drawing/2014/main" id="{94C9A5A4-D6DB-43F6-9401-778F9884606C}"/>
+                  </a:ext>
+                </a:extLst>
+              </p:cNvPr>
+              <p:cNvSpPr txBox="1"/>
+              <p:nvPr/>
+            </p:nvSpPr>
+            <p:spPr>
+              <a:xfrm>
+                <a:off x="3310037" y="3289160"/>
+                <a:ext cx="218330" cy="276999"/>
+              </a:xfrm>
+              <a:prstGeom prst="rect">
+                <a:avLst/>
+              </a:prstGeom>
+              <a:noFill/>
+            </p:spPr>
+            <p:txBody>
+              <a:bodyPr wrap="none" lIns="0" tIns="0" rIns="0" bIns="0" rtlCol="0">
+                <a:spAutoFit/>
+              </a:bodyPr>
+              <a:lstStyle/>
+              <a:p>
+                <a14:m>
+                  <m:oMathPara xmlns:m="http://schemas.openxmlformats.org/officeDocument/2006/math">
+                    <m:oMathParaPr>
+                      <m:jc m:val="centerGroup"/>
+                    </m:oMathParaPr>
+                    <m:oMath xmlns:m="http://schemas.openxmlformats.org/officeDocument/2006/math">
+                      <m:sSub>
+                        <m:sSubPr>
+                          <m:ctrlPr>
+                            <a:rPr lang="en-US" i="1" smtClean="0">
+                              <a:latin typeface="Cambria Math" panose="02040503050406030204" pitchFamily="18" charset="0"/>
+                            </a:rPr>
+                          </m:ctrlPr>
+                        </m:sSubPr>
+                        <m:e>
+                          <m:r>
+                            <a:rPr lang="en-US" b="0" i="1" smtClean="0">
+                              <a:latin typeface="Cambria Math" panose="02040503050406030204" pitchFamily="18" charset="0"/>
+                            </a:rPr>
+                            <m:t>𝑟</m:t>
+                          </m:r>
+                        </m:e>
+                        <m:sub>
+                          <m:r>
+                            <a:rPr lang="en-US" b="0" i="1" smtClean="0">
+                              <a:latin typeface="Cambria Math" panose="02040503050406030204" pitchFamily="18" charset="0"/>
+                            </a:rPr>
+                            <m:t>𝑠</m:t>
+                          </m:r>
+                        </m:sub>
+                      </m:sSub>
+                    </m:oMath>
+                  </m:oMathPara>
+                </a14:m>
+                <a:endParaRPr lang="en-US" dirty="0"/>
+              </a:p>
+            </p:txBody>
+          </p:sp>
+        </mc:Choice>
+        <mc:Fallback>
+          <p:sp>
+            <p:nvSpPr>
+              <p:cNvPr id="41" name="TextBox 40">
+                <a:extLst>
+                  <a:ext uri="{FF2B5EF4-FFF2-40B4-BE49-F238E27FC236}">
+                    <a16:creationId xmlns:a16="http://schemas.microsoft.com/office/drawing/2014/main" id="{94C9A5A4-D6DB-43F6-9401-778F9884606C}"/>
+                  </a:ext>
+                </a:extLst>
+              </p:cNvPr>
+              <p:cNvSpPr txBox="1">
+                <a:spLocks noRot="1" noChangeAspect="1" noMove="1" noResize="1" noEditPoints="1" noAdjustHandles="1" noChangeArrowheads="1" noChangeShapeType="1" noTextEdit="1"/>
+              </p:cNvSpPr>
+              <p:nvPr/>
+            </p:nvSpPr>
+            <p:spPr>
+              <a:xfrm>
+                <a:off x="3310037" y="3289160"/>
+                <a:ext cx="218330" cy="276999"/>
+              </a:xfrm>
+              <a:prstGeom prst="rect">
+                <a:avLst/>
+              </a:prstGeom>
+              <a:blipFill>
+                <a:blip r:embed="rId4"/>
+                <a:stretch>
+                  <a:fillRect l="-16667" r="-2778" b="-11111"/>
+                </a:stretch>
+              </a:blipFill>
+            </p:spPr>
+            <p:txBody>
+              <a:bodyPr/>
+              <a:lstStyle/>
+              <a:p>
+                <a:r>
+                  <a:rPr lang="en-US">
+                    <a:noFill/>
+                  </a:rPr>
+                  <a:t> </a:t>
+                </a:r>
+              </a:p>
+            </p:txBody>
+          </p:sp>
+        </mc:Fallback>
+      </mc:AlternateContent>
     </p:spTree>
     <p:extLst>
       <p:ext uri="{BB962C8B-B14F-4D97-AF65-F5344CB8AC3E}">
-        <p14:creationId xmlns:p14="http://schemas.microsoft.com/office/powerpoint/2010/main" val="2418638847"/>
+        <p14:creationId xmlns:p14="http://schemas.microsoft.com/office/powerpoint/2010/main" val="3734935587"/>
       </p:ext>
     </p:extLst>
   </p:cSld>
@@ -3452,7 +4674,7 @@
           <p:cNvPr id="4" name="Picture 3">
             <a:extLst>
               <a:ext uri="{FF2B5EF4-FFF2-40B4-BE49-F238E27FC236}">
-                <a16:creationId xmlns:a16="http://schemas.microsoft.com/office/drawing/2014/main" id="{B68FD896-73A6-4762-AF94-0AB0A6842E99}"/>
+                <a16:creationId xmlns:a16="http://schemas.microsoft.com/office/drawing/2014/main" id="{3AED351B-C10A-4D09-AD86-FAA6EAA17AFE}"/>
               </a:ext>
             </a:extLst>
           </p:cNvPr>
@@ -3482,6 +4704,131 @@
           <p:cNvPr id="5" name="Picture 4">
             <a:extLst>
               <a:ext uri="{FF2B5EF4-FFF2-40B4-BE49-F238E27FC236}">
+                <a16:creationId xmlns:a16="http://schemas.microsoft.com/office/drawing/2014/main" id="{81D18E00-36C9-49EC-856F-4B7A3E26332B}"/>
+              </a:ext>
+            </a:extLst>
+          </p:cNvPr>
+          <p:cNvPicPr>
+            <a:picLocks noChangeAspect="1"/>
+          </p:cNvPicPr>
+          <p:nvPr/>
+        </p:nvPicPr>
+        <p:blipFill>
+          <a:blip r:embed="rId3"/>
+          <a:stretch>
+            <a:fillRect/>
+          </a:stretch>
+        </p:blipFill>
+        <p:spPr>
+          <a:xfrm>
+            <a:off x="1117242" y="1428750"/>
+            <a:ext cx="5334000" cy="4000500"/>
+          </a:xfrm>
+          <a:prstGeom prst="rect">
+            <a:avLst/>
+          </a:prstGeom>
+        </p:spPr>
+      </p:pic>
+      <p:sp>
+        <p:nvSpPr>
+          <p:cNvPr id="6" name="TextBox 5">
+            <a:extLst>
+              <a:ext uri="{FF2B5EF4-FFF2-40B4-BE49-F238E27FC236}">
+                <a16:creationId xmlns:a16="http://schemas.microsoft.com/office/drawing/2014/main" id="{8A3C7B74-C52D-4AE6-BB54-7F32AA09D589}"/>
+              </a:ext>
+            </a:extLst>
+          </p:cNvPr>
+          <p:cNvSpPr txBox="1"/>
+          <p:nvPr/>
+        </p:nvSpPr>
+        <p:spPr>
+          <a:xfrm>
+            <a:off x="3876541" y="521594"/>
+            <a:ext cx="3882980" cy="369332"/>
+          </a:xfrm>
+          <a:prstGeom prst="rect">
+            <a:avLst/>
+          </a:prstGeom>
+          <a:noFill/>
+        </p:spPr>
+        <p:txBody>
+          <a:bodyPr wrap="square" rtlCol="0">
+            <a:spAutoFit/>
+          </a:bodyPr>
+          <a:lstStyle/>
+          <a:p>
+            <a:r>
+              <a:rPr lang="en-US" b="1" dirty="0"/>
+              <a:t>Double Point Interference</a:t>
+            </a:r>
+          </a:p>
+        </p:txBody>
+      </p:sp>
+    </p:spTree>
+    <p:extLst>
+      <p:ext uri="{BB962C8B-B14F-4D97-AF65-F5344CB8AC3E}">
+        <p14:creationId xmlns:p14="http://schemas.microsoft.com/office/powerpoint/2010/main" val="2418638847"/>
+      </p:ext>
+    </p:extLst>
+  </p:cSld>
+  <p:clrMapOvr>
+    <a:masterClrMapping/>
+  </p:clrMapOvr>
+</p:sld>
+</file>
+
+<file path=ppt/slides/slide3.xml><?xml version="1.0" encoding="utf-8"?>
+<p:sld xmlns:a="http://schemas.openxmlformats.org/drawingml/2006/main" xmlns:r="http://schemas.openxmlformats.org/officeDocument/2006/relationships" xmlns:p="http://schemas.openxmlformats.org/presentationml/2006/main">
+  <p:cSld>
+    <p:spTree>
+      <p:nvGrpSpPr>
+        <p:cNvPr id="1" name=""/>
+        <p:cNvGrpSpPr/>
+        <p:nvPr/>
+      </p:nvGrpSpPr>
+      <p:grpSpPr>
+        <a:xfrm>
+          <a:off x="0" y="0"/>
+          <a:ext cx="0" cy="0"/>
+          <a:chOff x="0" y="0"/>
+          <a:chExt cx="0" cy="0"/>
+        </a:xfrm>
+      </p:grpSpPr>
+      <p:pic>
+        <p:nvPicPr>
+          <p:cNvPr id="4" name="Picture 3">
+            <a:extLst>
+              <a:ext uri="{FF2B5EF4-FFF2-40B4-BE49-F238E27FC236}">
+                <a16:creationId xmlns:a16="http://schemas.microsoft.com/office/drawing/2014/main" id="{B68FD896-73A6-4762-AF94-0AB0A6842E99}"/>
+              </a:ext>
+            </a:extLst>
+          </p:cNvPr>
+          <p:cNvPicPr>
+            <a:picLocks noChangeAspect="1"/>
+          </p:cNvPicPr>
+          <p:nvPr/>
+        </p:nvPicPr>
+        <p:blipFill>
+          <a:blip r:embed="rId2"/>
+          <a:stretch>
+            <a:fillRect/>
+          </a:stretch>
+        </p:blipFill>
+        <p:spPr>
+          <a:xfrm>
+            <a:off x="6096000" y="1428750"/>
+            <a:ext cx="5334000" cy="4000500"/>
+          </a:xfrm>
+          <a:prstGeom prst="rect">
+            <a:avLst/>
+          </a:prstGeom>
+        </p:spPr>
+      </p:pic>
+      <p:pic>
+        <p:nvPicPr>
+          <p:cNvPr id="5" name="Picture 4">
+            <a:extLst>
+              <a:ext uri="{FF2B5EF4-FFF2-40B4-BE49-F238E27FC236}">
                 <a16:creationId xmlns:a16="http://schemas.microsoft.com/office/drawing/2014/main" id="{D4D554DE-2058-4CEF-8D14-938F843F1611}"/>
               </a:ext>
             </a:extLst>
@@ -3538,6 +4885,41 @@
             <a:r>
               <a:rPr lang="en-US" b="1" dirty="0"/>
               <a:t>Double Slit Interference</a:t>
+            </a:r>
+          </a:p>
+        </p:txBody>
+      </p:sp>
+      <p:sp>
+        <p:nvSpPr>
+          <p:cNvPr id="2" name="TextBox 1">
+            <a:extLst>
+              <a:ext uri="{FF2B5EF4-FFF2-40B4-BE49-F238E27FC236}">
+                <a16:creationId xmlns:a16="http://schemas.microsoft.com/office/drawing/2014/main" id="{5E98EA9E-C4F5-4D12-A0C9-75A8827E9A18}"/>
+              </a:ext>
+            </a:extLst>
+          </p:cNvPr>
+          <p:cNvSpPr txBox="1"/>
+          <p:nvPr/>
+        </p:nvSpPr>
+        <p:spPr>
+          <a:xfrm>
+            <a:off x="4391130" y="5586884"/>
+            <a:ext cx="6049107" cy="923330"/>
+          </a:xfrm>
+          <a:prstGeom prst="rect">
+            <a:avLst/>
+          </a:prstGeom>
+          <a:noFill/>
+        </p:spPr>
+        <p:txBody>
+          <a:bodyPr wrap="square" rtlCol="0">
+            <a:spAutoFit/>
+          </a:bodyPr>
+          <a:lstStyle/>
+          <a:p>
+            <a:r>
+              <a:rPr lang="en-US" dirty="0"/>
+              <a:t>This double slit interference shows that the program from image plane to sample plane may work. I will continue programming from sample plane to image plane</a:t>
             </a:r>
           </a:p>
         </p:txBody>
